--- a/Newspaper_presentation.pptx
+++ b/Newspaper_presentation.pptx
@@ -7,7 +7,8 @@
   <p:sldIdLst>
     <p:sldId id="256" r:id="rId2"/>
     <p:sldId id="258" r:id="rId3"/>
-    <p:sldId id="259" r:id="rId4"/>
+    <p:sldId id="260" r:id="rId4"/>
+    <p:sldId id="259" r:id="rId5"/>
   </p:sldIdLst>
   <p:sldSz cx="12192000" cy="6858000"/>
   <p:notesSz cx="6858000" cy="9144000"/>
@@ -209,7 +210,7 @@
           <a:effectLst/>
           <a:extLst>
             <a:ext uri="{91240B29-F687-4f45-9708-019B960494DF}">
-              <a14:hiddenLine xmlns="" xmlns:a14="http://schemas.microsoft.com/office/drawing/2010/main" w="9525">
+              <a14:hiddenLine xmlns:a14="http://schemas.microsoft.com/office/drawing/2010/main" xmlns="" w="9525">
                 <a:solidFill>
                   <a:srgbClr val="000000"/>
                 </a:solidFill>
@@ -402,7 +403,7 @@
             <a:fld id="{08B9EBBA-996F-894A-B54A-D6246ED52CEA}" type="datetimeFigureOut">
               <a:rPr lang="en-US" dirty="0"/>
               <a:pPr/>
-              <a:t>12/14/18</a:t>
+              <a:t>12/17/18</a:t>
             </a:fld>
             <a:endParaRPr lang="en-US" dirty="0"/>
           </a:p>
@@ -717,7 +718,7 @@
             <a:fld id="{18C79C5D-2A6F-F04D-97DA-BEF2467B64E4}" type="datetimeFigureOut">
               <a:rPr lang="en-US" dirty="0"/>
               <a:pPr/>
-              <a:t>12/14/18</a:t>
+              <a:t>12/17/18</a:t>
             </a:fld>
             <a:endParaRPr lang="en-US" dirty="0"/>
           </a:p>
@@ -1202,7 +1203,7 @@
             <a:fld id="{8DFA1846-DA80-1C48-A609-854EA85C59AD}" type="datetimeFigureOut">
               <a:rPr lang="en-US" dirty="0"/>
               <a:pPr/>
-              <a:t>12/14/18</a:t>
+              <a:t>12/17/18</a:t>
             </a:fld>
             <a:endParaRPr lang="en-US" dirty="0"/>
           </a:p>
@@ -1568,7 +1569,7 @@
             <a:fld id="{FBF54567-0DE4-3F47-BF90-CB84690072F9}" type="datetimeFigureOut">
               <a:rPr lang="en-US" dirty="0"/>
               <a:pPr/>
-              <a:t>12/14/18</a:t>
+              <a:t>12/17/18</a:t>
             </a:fld>
             <a:endParaRPr lang="en-US" dirty="0"/>
           </a:p>
@@ -1719,7 +1720,7 @@
           <a:ln/>
           <a:extLst>
             <a:ext uri="{91240B29-F687-4f45-9708-019B960494DF}">
-              <a14:hiddenLine xmlns="" xmlns:a14="http://schemas.microsoft.com/office/drawing/2010/main" w="9525">
+              <a14:hiddenLine xmlns:a14="http://schemas.microsoft.com/office/drawing/2010/main" xmlns="" w="9525">
                 <a:solidFill>
                   <a:srgbClr val="000000"/>
                 </a:solidFill>
@@ -1838,7 +1839,7 @@
             <a:fld id="{C6C52C72-DE31-F449-A4ED-4C594FD91407}" type="datetimeFigureOut">
               <a:rPr lang="en-US" dirty="0"/>
               <a:pPr/>
-              <a:t>12/14/18</a:t>
+              <a:t>12/17/18</a:t>
             </a:fld>
             <a:endParaRPr lang="en-US" dirty="0"/>
           </a:p>
@@ -1991,7 +1992,7 @@
           <a:ln/>
           <a:extLst>
             <a:ext uri="{91240B29-F687-4f45-9708-019B960494DF}">
-              <a14:hiddenLine xmlns="" xmlns:a14="http://schemas.microsoft.com/office/drawing/2010/main" w="9525">
+              <a14:hiddenLine xmlns:a14="http://schemas.microsoft.com/office/drawing/2010/main" xmlns="" w="9525">
                 <a:solidFill>
                   <a:srgbClr val="000000"/>
                 </a:solidFill>
@@ -2120,7 +2121,7 @@
             <a:fld id="{ED62726E-379B-B349-9EED-81ED093FA806}" type="datetimeFigureOut">
               <a:rPr lang="en-US" dirty="0"/>
               <a:pPr/>
-              <a:t>12/14/18</a:t>
+              <a:t>12/17/18</a:t>
             </a:fld>
             <a:endParaRPr lang="en-US" dirty="0"/>
           </a:p>
@@ -2271,7 +2272,7 @@
           <a:ln/>
           <a:extLst>
             <a:ext uri="{91240B29-F687-4f45-9708-019B960494DF}">
-              <a14:hiddenLine xmlns="" xmlns:a14="http://schemas.microsoft.com/office/drawing/2010/main" w="9525">
+              <a14:hiddenLine xmlns:a14="http://schemas.microsoft.com/office/drawing/2010/main" xmlns="" w="9525">
                 <a:solidFill>
                   <a:srgbClr val="000000"/>
                 </a:solidFill>
@@ -2400,7 +2401,7 @@
             <a:fld id="{9B3A1323-8D79-1946-B0D7-40001CF92E9D}" type="datetimeFigureOut">
               <a:rPr lang="en-US" dirty="0"/>
               <a:pPr/>
-              <a:t>12/14/18</a:t>
+              <a:t>12/17/18</a:t>
             </a:fld>
             <a:endParaRPr lang="en-US" dirty="0"/>
           </a:p>
@@ -2740,7 +2741,7 @@
             <a:fld id="{8DFA1846-DA80-1C48-A609-854EA85C59AD}" type="datetimeFigureOut">
               <a:rPr lang="en-US" dirty="0"/>
               <a:pPr/>
-              <a:t>12/14/18</a:t>
+              <a:t>12/17/18</a:t>
             </a:fld>
             <a:endParaRPr lang="en-US" dirty="0"/>
           </a:p>
@@ -2891,7 +2892,7 @@
           <a:ln/>
           <a:extLst>
             <a:ext uri="{91240B29-F687-4f45-9708-019B960494DF}">
-              <a14:hiddenLine xmlns="" xmlns:a14="http://schemas.microsoft.com/office/drawing/2010/main" w="9525">
+              <a14:hiddenLine xmlns:a14="http://schemas.microsoft.com/office/drawing/2010/main" xmlns="" w="9525">
                 <a:solidFill>
                   <a:srgbClr val="000000"/>
                 </a:solidFill>
@@ -3076,7 +3077,7 @@
             <a:fld id="{57302355-E14B-8545-A8F8-0FE83CC9D524}" type="datetimeFigureOut">
               <a:rPr lang="en-US" dirty="0"/>
               <a:pPr/>
-              <a:t>12/14/18</a:t>
+              <a:t>12/17/18</a:t>
             </a:fld>
             <a:endParaRPr lang="en-US" dirty="0"/>
           </a:p>
@@ -3227,7 +3228,7 @@
           <a:ln/>
           <a:extLst>
             <a:ext uri="{91240B29-F687-4f45-9708-019B960494DF}">
-              <a14:hiddenLine xmlns="" xmlns:a14="http://schemas.microsoft.com/office/drawing/2010/main" w="9525">
+              <a14:hiddenLine xmlns:a14="http://schemas.microsoft.com/office/drawing/2010/main" xmlns="" w="9525">
                 <a:solidFill>
                   <a:srgbClr val="000000"/>
                 </a:solidFill>
@@ -3550,7 +3551,7 @@
             <a:fld id="{02640F58-564D-2B4F-AE67-E407BA4FCF45}" type="datetimeFigureOut">
               <a:rPr lang="en-US" dirty="0"/>
               <a:pPr/>
-              <a:t>12/14/18</a:t>
+              <a:t>12/17/18</a:t>
             </a:fld>
             <a:endParaRPr lang="en-US" dirty="0"/>
           </a:p>
@@ -3701,7 +3702,7 @@
           <a:ln/>
           <a:extLst>
             <a:ext uri="{91240B29-F687-4f45-9708-019B960494DF}">
-              <a14:hiddenLine xmlns="" xmlns:a14="http://schemas.microsoft.com/office/drawing/2010/main" w="9525">
+              <a14:hiddenLine xmlns:a14="http://schemas.microsoft.com/office/drawing/2010/main" xmlns="" w="9525">
                 <a:solidFill>
                   <a:srgbClr val="000000"/>
                 </a:solidFill>
@@ -3768,7 +3769,7 @@
             <a:fld id="{F13A34C8-038E-2045-AF43-DF7DBB8E0E9E}" type="datetimeFigureOut">
               <a:rPr lang="en-US" dirty="0"/>
               <a:pPr/>
-              <a:t>12/14/18</a:t>
+              <a:t>12/17/18</a:t>
             </a:fld>
             <a:endParaRPr lang="en-US" dirty="0"/>
           </a:p>
@@ -3860,7 +3861,7 @@
             <a:fld id="{8818C68F-D26B-8F47-958C-23B49CF8A634}" type="datetimeFigureOut">
               <a:rPr lang="en-US" dirty="0"/>
               <a:pPr/>
-              <a:t>12/14/18</a:t>
+              <a:t>12/17/18</a:t>
             </a:fld>
             <a:endParaRPr lang="en-US" dirty="0"/>
           </a:p>
@@ -4124,7 +4125,7 @@
           <a:ln/>
           <a:extLst>
             <a:ext uri="{91240B29-F687-4f45-9708-019B960494DF}">
-              <a14:hiddenLine xmlns="" xmlns:a14="http://schemas.microsoft.com/office/drawing/2010/main" w="9525">
+              <a14:hiddenLine xmlns:a14="http://schemas.microsoft.com/office/drawing/2010/main" xmlns="" w="9525">
                 <a:solidFill>
                   <a:srgbClr val="000000"/>
                 </a:solidFill>
@@ -4324,7 +4325,7 @@
             <a:fld id="{D0DF5E60-9974-AC48-9591-99C2BB44B7CF}" type="datetimeFigureOut">
               <a:rPr lang="en-US" dirty="0"/>
               <a:pPr/>
-              <a:t>12/14/18</a:t>
+              <a:t>12/17/18</a:t>
             </a:fld>
             <a:endParaRPr lang="en-US" dirty="0"/>
           </a:p>
@@ -4634,7 +4635,7 @@
             <a:fld id="{18C79C5D-2A6F-F04D-97DA-BEF2467B64E4}" type="datetimeFigureOut">
               <a:rPr lang="en-US" dirty="0"/>
               <a:pPr/>
-              <a:t>12/14/18</a:t>
+              <a:t>12/17/18</a:t>
             </a:fld>
             <a:endParaRPr lang="en-US" dirty="0"/>
           </a:p>
@@ -4901,7 +4902,7 @@
             <a:fld id="{09B482E8-6E0E-1B4F-B1FD-C69DB9E858D9}" type="datetimeFigureOut">
               <a:rPr lang="en-US" dirty="0"/>
               <a:pPr/>
-              <a:t>12/14/18</a:t>
+              <a:t>12/17/18</a:t>
             </a:fld>
             <a:endParaRPr lang="en-US" dirty="0"/>
           </a:p>
@@ -5724,10 +5725,10 @@
       </p:grpSpPr>
       <p:pic>
         <p:nvPicPr>
-          <p:cNvPr id="4" name="Picture 3">
+          <p:cNvPr id="3" name="Picture 2">
             <a:extLst>
               <a:ext uri="{FF2B5EF4-FFF2-40B4-BE49-F238E27FC236}">
-                <a16:creationId xmlns:a16="http://schemas.microsoft.com/office/drawing/2014/main" id="{A3C87DDD-A038-394B-AB3B-F65C6A500881}"/>
+                <a16:creationId xmlns:a16="http://schemas.microsoft.com/office/drawing/2014/main" id="{4CE305AD-40B0-D44B-9521-BEC62D5066AA}"/>
               </a:ext>
             </a:extLst>
           </p:cNvPr>
@@ -5744,8 +5745,98 @@
         </p:blipFill>
         <p:spPr>
           <a:xfrm>
-            <a:off x="270624" y="616226"/>
-            <a:ext cx="11650752" cy="5399299"/>
+            <a:off x="6721848" y="167843"/>
+            <a:ext cx="3778814" cy="2994286"/>
+          </a:xfrm>
+          <a:prstGeom prst="rect">
+            <a:avLst/>
+          </a:prstGeom>
+        </p:spPr>
+      </p:pic>
+      <p:pic>
+        <p:nvPicPr>
+          <p:cNvPr id="5" name="Picture 4">
+            <a:extLst>
+              <a:ext uri="{FF2B5EF4-FFF2-40B4-BE49-F238E27FC236}">
+                <a16:creationId xmlns:a16="http://schemas.microsoft.com/office/drawing/2014/main" id="{82AB6966-5A78-E848-8901-00C6EC381891}"/>
+              </a:ext>
+            </a:extLst>
+          </p:cNvPr>
+          <p:cNvPicPr>
+            <a:picLocks noChangeAspect="1"/>
+          </p:cNvPicPr>
+          <p:nvPr/>
+        </p:nvPicPr>
+        <p:blipFill>
+          <a:blip r:embed="rId3"/>
+          <a:stretch>
+            <a:fillRect/>
+          </a:stretch>
+        </p:blipFill>
+        <p:spPr>
+          <a:xfrm>
+            <a:off x="595391" y="167843"/>
+            <a:ext cx="4059344" cy="3112312"/>
+          </a:xfrm>
+          <a:prstGeom prst="rect">
+            <a:avLst/>
+          </a:prstGeom>
+        </p:spPr>
+      </p:pic>
+      <p:pic>
+        <p:nvPicPr>
+          <p:cNvPr id="7" name="Picture 6">
+            <a:extLst>
+              <a:ext uri="{FF2B5EF4-FFF2-40B4-BE49-F238E27FC236}">
+                <a16:creationId xmlns:a16="http://schemas.microsoft.com/office/drawing/2014/main" id="{030364EB-4491-CB4F-9EF1-A90ABEF3F726}"/>
+              </a:ext>
+            </a:extLst>
+          </p:cNvPr>
+          <p:cNvPicPr>
+            <a:picLocks noChangeAspect="1"/>
+          </p:cNvPicPr>
+          <p:nvPr/>
+        </p:nvPicPr>
+        <p:blipFill>
+          <a:blip r:embed="rId4"/>
+          <a:stretch>
+            <a:fillRect/>
+          </a:stretch>
+        </p:blipFill>
+        <p:spPr>
+          <a:xfrm>
+            <a:off x="533541" y="3429000"/>
+            <a:ext cx="4117482" cy="3161398"/>
+          </a:xfrm>
+          <a:prstGeom prst="rect">
+            <a:avLst/>
+          </a:prstGeom>
+        </p:spPr>
+      </p:pic>
+      <p:pic>
+        <p:nvPicPr>
+          <p:cNvPr id="8" name="Picture 7">
+            <a:extLst>
+              <a:ext uri="{FF2B5EF4-FFF2-40B4-BE49-F238E27FC236}">
+                <a16:creationId xmlns:a16="http://schemas.microsoft.com/office/drawing/2014/main" id="{B3D48DF9-08CA-F344-92A3-4D4686F9DB2F}"/>
+              </a:ext>
+            </a:extLst>
+          </p:cNvPr>
+          <p:cNvPicPr>
+            <a:picLocks noChangeAspect="1"/>
+          </p:cNvPicPr>
+          <p:nvPr/>
+        </p:nvPicPr>
+        <p:blipFill>
+          <a:blip r:embed="rId5"/>
+          <a:stretch>
+            <a:fillRect/>
+          </a:stretch>
+        </p:blipFill>
+        <p:spPr>
+          <a:xfrm>
+            <a:off x="5649230" y="4097872"/>
+            <a:ext cx="6104672" cy="1986839"/>
           </a:xfrm>
           <a:prstGeom prst="rect">
             <a:avLst/>
@@ -5766,6 +5857,156 @@
 </file>
 
 <file path=ppt/slides/slide3.xml><?xml version="1.0" encoding="utf-8"?>
+<p:sld xmlns:a="http://schemas.openxmlformats.org/drawingml/2006/main" xmlns:r="http://schemas.openxmlformats.org/officeDocument/2006/relationships" xmlns:p="http://schemas.openxmlformats.org/presentationml/2006/main">
+  <p:cSld>
+    <p:spTree>
+      <p:nvGrpSpPr>
+        <p:cNvPr id="1" name=""/>
+        <p:cNvGrpSpPr/>
+        <p:nvPr/>
+      </p:nvGrpSpPr>
+      <p:grpSpPr>
+        <a:xfrm>
+          <a:off x="0" y="0"/>
+          <a:ext cx="0" cy="0"/>
+          <a:chOff x="0" y="0"/>
+          <a:chExt cx="0" cy="0"/>
+        </a:xfrm>
+      </p:grpSpPr>
+      <p:pic>
+        <p:nvPicPr>
+          <p:cNvPr id="5" name="Picture 4">
+            <a:extLst>
+              <a:ext uri="{FF2B5EF4-FFF2-40B4-BE49-F238E27FC236}">
+                <a16:creationId xmlns:a16="http://schemas.microsoft.com/office/drawing/2014/main" id="{E8D7EE61-4A79-D741-9E43-6BDE927B1AA1}"/>
+              </a:ext>
+            </a:extLst>
+          </p:cNvPr>
+          <p:cNvPicPr>
+            <a:picLocks noChangeAspect="1"/>
+          </p:cNvPicPr>
+          <p:nvPr/>
+        </p:nvPicPr>
+        <p:blipFill>
+          <a:blip r:embed="rId2"/>
+          <a:stretch>
+            <a:fillRect/>
+          </a:stretch>
+        </p:blipFill>
+        <p:spPr>
+          <a:xfrm>
+            <a:off x="476731" y="3429000"/>
+            <a:ext cx="4832510" cy="3261298"/>
+          </a:xfrm>
+          <a:prstGeom prst="rect">
+            <a:avLst/>
+          </a:prstGeom>
+        </p:spPr>
+      </p:pic>
+      <p:pic>
+        <p:nvPicPr>
+          <p:cNvPr id="6" name="Picture 5">
+            <a:extLst>
+              <a:ext uri="{FF2B5EF4-FFF2-40B4-BE49-F238E27FC236}">
+                <a16:creationId xmlns:a16="http://schemas.microsoft.com/office/drawing/2014/main" id="{44A11C59-253E-EF41-930A-1BDD853A3EAC}"/>
+              </a:ext>
+            </a:extLst>
+          </p:cNvPr>
+          <p:cNvPicPr>
+            <a:picLocks noChangeAspect="1"/>
+          </p:cNvPicPr>
+          <p:nvPr/>
+        </p:nvPicPr>
+        <p:blipFill>
+          <a:blip r:embed="rId3"/>
+          <a:stretch>
+            <a:fillRect/>
+          </a:stretch>
+        </p:blipFill>
+        <p:spPr>
+          <a:xfrm>
+            <a:off x="476731" y="189599"/>
+            <a:ext cx="4832510" cy="3073828"/>
+          </a:xfrm>
+          <a:prstGeom prst="rect">
+            <a:avLst/>
+          </a:prstGeom>
+        </p:spPr>
+      </p:pic>
+      <p:pic>
+        <p:nvPicPr>
+          <p:cNvPr id="7" name="Picture 6">
+            <a:extLst>
+              <a:ext uri="{FF2B5EF4-FFF2-40B4-BE49-F238E27FC236}">
+                <a16:creationId xmlns:a16="http://schemas.microsoft.com/office/drawing/2014/main" id="{EF87DC3C-0CFD-5242-AEE1-D6046726DBBD}"/>
+              </a:ext>
+            </a:extLst>
+          </p:cNvPr>
+          <p:cNvPicPr>
+            <a:picLocks noChangeAspect="1"/>
+          </p:cNvPicPr>
+          <p:nvPr/>
+        </p:nvPicPr>
+        <p:blipFill>
+          <a:blip r:embed="rId4"/>
+          <a:stretch>
+            <a:fillRect/>
+          </a:stretch>
+        </p:blipFill>
+        <p:spPr>
+          <a:xfrm>
+            <a:off x="6364336" y="189599"/>
+            <a:ext cx="5260622" cy="3003664"/>
+          </a:xfrm>
+          <a:prstGeom prst="rect">
+            <a:avLst/>
+          </a:prstGeom>
+        </p:spPr>
+      </p:pic>
+      <p:pic>
+        <p:nvPicPr>
+          <p:cNvPr id="8" name="Picture 7">
+            <a:extLst>
+              <a:ext uri="{FF2B5EF4-FFF2-40B4-BE49-F238E27FC236}">
+                <a16:creationId xmlns:a16="http://schemas.microsoft.com/office/drawing/2014/main" id="{04F89650-3C58-4648-AEE0-02C286D416E0}"/>
+              </a:ext>
+            </a:extLst>
+          </p:cNvPr>
+          <p:cNvPicPr>
+            <a:picLocks noChangeAspect="1"/>
+          </p:cNvPicPr>
+          <p:nvPr/>
+        </p:nvPicPr>
+        <p:blipFill>
+          <a:blip r:embed="rId5"/>
+          <a:stretch>
+            <a:fillRect/>
+          </a:stretch>
+        </p:blipFill>
+        <p:spPr>
+          <a:xfrm>
+            <a:off x="6364336" y="3429000"/>
+            <a:ext cx="5274028" cy="3154244"/>
+          </a:xfrm>
+          <a:prstGeom prst="rect">
+            <a:avLst/>
+          </a:prstGeom>
+        </p:spPr>
+      </p:pic>
+    </p:spTree>
+    <p:extLst>
+      <p:ext uri="{BB962C8B-B14F-4D97-AF65-F5344CB8AC3E}">
+        <p14:creationId xmlns:p14="http://schemas.microsoft.com/office/powerpoint/2010/main" val="905223622"/>
+      </p:ext>
+    </p:extLst>
+  </p:cSld>
+  <p:clrMapOvr>
+    <a:masterClrMapping/>
+  </p:clrMapOvr>
+</p:sld>
+</file>
+
+<file path=ppt/slides/slide4.xml><?xml version="1.0" encoding="utf-8"?>
 <p:sld xmlns:a="http://schemas.openxmlformats.org/drawingml/2006/main" xmlns:r="http://schemas.openxmlformats.org/officeDocument/2006/relationships" xmlns:p="http://schemas.openxmlformats.org/presentationml/2006/main">
   <p:cSld>
     <p:spTree>
